--- a/Clustering Results Word Doc/Mutant1_150_Analysis_K4.pptx
+++ b/Clustering Results Word Doc/Mutant1_150_Analysis_K4.pptx
@@ -12,6 +12,7 @@
     <p:sldId id="263" r:id="rId6"/>
     <p:sldId id="260" r:id="rId7"/>
     <p:sldId id="264" r:id="rId8"/>
+    <p:sldId id="265" r:id="rId9"/>
   </p:sldIdLst>
   <p:sldSz cx="9144000" cy="6858000" type="screen4x3"/>
   <p:notesSz cx="6858000" cy="9144000"/>
@@ -294,6 +295,7 @@
           <a:p>
             <a:fld id="{D0C8D4D7-B523-445C-9100-E81E2F191CC3}" type="datetimeFigureOut">
               <a:rPr lang="en-US" smtClean="0"/>
+              <a:pPr/>
               <a:t>2/5/2015</a:t>
             </a:fld>
             <a:endParaRPr lang="en-US"/>
@@ -336,6 +338,7 @@
           <a:p>
             <a:fld id="{2AA7D3C4-0955-445F-A585-48038BA8F555}" type="slidenum">
               <a:rPr lang="en-US" smtClean="0"/>
+              <a:pPr/>
               <a:t>‹#›</a:t>
             </a:fld>
             <a:endParaRPr lang="en-US"/>
@@ -459,6 +462,7 @@
           <a:p>
             <a:fld id="{D0C8D4D7-B523-445C-9100-E81E2F191CC3}" type="datetimeFigureOut">
               <a:rPr lang="en-US" smtClean="0"/>
+              <a:pPr/>
               <a:t>2/5/2015</a:t>
             </a:fld>
             <a:endParaRPr lang="en-US"/>
@@ -501,6 +505,7 @@
           <a:p>
             <a:fld id="{2AA7D3C4-0955-445F-A585-48038BA8F555}" type="slidenum">
               <a:rPr lang="en-US" smtClean="0"/>
+              <a:pPr/>
               <a:t>‹#›</a:t>
             </a:fld>
             <a:endParaRPr lang="en-US"/>
@@ -634,6 +639,7 @@
           <a:p>
             <a:fld id="{D0C8D4D7-B523-445C-9100-E81E2F191CC3}" type="datetimeFigureOut">
               <a:rPr lang="en-US" smtClean="0"/>
+              <a:pPr/>
               <a:t>2/5/2015</a:t>
             </a:fld>
             <a:endParaRPr lang="en-US"/>
@@ -676,6 +682,7 @@
           <a:p>
             <a:fld id="{2AA7D3C4-0955-445F-A585-48038BA8F555}" type="slidenum">
               <a:rPr lang="en-US" smtClean="0"/>
+              <a:pPr/>
               <a:t>‹#›</a:t>
             </a:fld>
             <a:endParaRPr lang="en-US"/>
@@ -799,6 +806,7 @@
           <a:p>
             <a:fld id="{D0C8D4D7-B523-445C-9100-E81E2F191CC3}" type="datetimeFigureOut">
               <a:rPr lang="en-US" smtClean="0"/>
+              <a:pPr/>
               <a:t>2/5/2015</a:t>
             </a:fld>
             <a:endParaRPr lang="en-US"/>
@@ -841,6 +849,7 @@
           <a:p>
             <a:fld id="{2AA7D3C4-0955-445F-A585-48038BA8F555}" type="slidenum">
               <a:rPr lang="en-US" smtClean="0"/>
+              <a:pPr/>
               <a:t>‹#›</a:t>
             </a:fld>
             <a:endParaRPr lang="en-US"/>
@@ -1040,6 +1049,7 @@
           <a:p>
             <a:fld id="{D0C8D4D7-B523-445C-9100-E81E2F191CC3}" type="datetimeFigureOut">
               <a:rPr lang="en-US" smtClean="0"/>
+              <a:pPr/>
               <a:t>2/5/2015</a:t>
             </a:fld>
             <a:endParaRPr lang="en-US"/>
@@ -1082,6 +1092,7 @@
           <a:p>
             <a:fld id="{2AA7D3C4-0955-445F-A585-48038BA8F555}" type="slidenum">
               <a:rPr lang="en-US" smtClean="0"/>
+              <a:pPr/>
               <a:t>‹#›</a:t>
             </a:fld>
             <a:endParaRPr lang="en-US"/>
@@ -1323,6 +1334,7 @@
           <a:p>
             <a:fld id="{D0C8D4D7-B523-445C-9100-E81E2F191CC3}" type="datetimeFigureOut">
               <a:rPr lang="en-US" smtClean="0"/>
+              <a:pPr/>
               <a:t>2/5/2015</a:t>
             </a:fld>
             <a:endParaRPr lang="en-US"/>
@@ -1365,6 +1377,7 @@
           <a:p>
             <a:fld id="{2AA7D3C4-0955-445F-A585-48038BA8F555}" type="slidenum">
               <a:rPr lang="en-US" smtClean="0"/>
+              <a:pPr/>
               <a:t>‹#›</a:t>
             </a:fld>
             <a:endParaRPr lang="en-US"/>
@@ -1740,6 +1753,7 @@
           <a:p>
             <a:fld id="{D0C8D4D7-B523-445C-9100-E81E2F191CC3}" type="datetimeFigureOut">
               <a:rPr lang="en-US" smtClean="0"/>
+              <a:pPr/>
               <a:t>2/5/2015</a:t>
             </a:fld>
             <a:endParaRPr lang="en-US"/>
@@ -1782,6 +1796,7 @@
           <a:p>
             <a:fld id="{2AA7D3C4-0955-445F-A585-48038BA8F555}" type="slidenum">
               <a:rPr lang="en-US" smtClean="0"/>
+              <a:pPr/>
               <a:t>‹#›</a:t>
             </a:fld>
             <a:endParaRPr lang="en-US"/>
@@ -1853,6 +1868,7 @@
           <a:p>
             <a:fld id="{D0C8D4D7-B523-445C-9100-E81E2F191CC3}" type="datetimeFigureOut">
               <a:rPr lang="en-US" smtClean="0"/>
+              <a:pPr/>
               <a:t>2/5/2015</a:t>
             </a:fld>
             <a:endParaRPr lang="en-US"/>
@@ -1895,6 +1911,7 @@
           <a:p>
             <a:fld id="{2AA7D3C4-0955-445F-A585-48038BA8F555}" type="slidenum">
               <a:rPr lang="en-US" smtClean="0"/>
+              <a:pPr/>
               <a:t>‹#›</a:t>
             </a:fld>
             <a:endParaRPr lang="en-US"/>
@@ -1943,6 +1960,7 @@
           <a:p>
             <a:fld id="{D0C8D4D7-B523-445C-9100-E81E2F191CC3}" type="datetimeFigureOut">
               <a:rPr lang="en-US" smtClean="0"/>
+              <a:pPr/>
               <a:t>2/5/2015</a:t>
             </a:fld>
             <a:endParaRPr lang="en-US"/>
@@ -1985,6 +2003,7 @@
           <a:p>
             <a:fld id="{2AA7D3C4-0955-445F-A585-48038BA8F555}" type="slidenum">
               <a:rPr lang="en-US" smtClean="0"/>
+              <a:pPr/>
               <a:t>‹#›</a:t>
             </a:fld>
             <a:endParaRPr lang="en-US"/>
@@ -2215,6 +2234,7 @@
           <a:p>
             <a:fld id="{D0C8D4D7-B523-445C-9100-E81E2F191CC3}" type="datetimeFigureOut">
               <a:rPr lang="en-US" smtClean="0"/>
+              <a:pPr/>
               <a:t>2/5/2015</a:t>
             </a:fld>
             <a:endParaRPr lang="en-US"/>
@@ -2257,6 +2277,7 @@
           <a:p>
             <a:fld id="{2AA7D3C4-0955-445F-A585-48038BA8F555}" type="slidenum">
               <a:rPr lang="en-US" smtClean="0"/>
+              <a:pPr/>
               <a:t>‹#›</a:t>
             </a:fld>
             <a:endParaRPr lang="en-US"/>
@@ -2463,6 +2484,7 @@
           <a:p>
             <a:fld id="{D0C8D4D7-B523-445C-9100-E81E2F191CC3}" type="datetimeFigureOut">
               <a:rPr lang="en-US" smtClean="0"/>
+              <a:pPr/>
               <a:t>2/5/2015</a:t>
             </a:fld>
             <a:endParaRPr lang="en-US"/>
@@ -2505,6 +2527,7 @@
           <a:p>
             <a:fld id="{2AA7D3C4-0955-445F-A585-48038BA8F555}" type="slidenum">
               <a:rPr lang="en-US" smtClean="0"/>
+              <a:pPr/>
               <a:t>‹#›</a:t>
             </a:fld>
             <a:endParaRPr lang="en-US"/>
@@ -2671,6 +2694,7 @@
           <a:p>
             <a:fld id="{D0C8D4D7-B523-445C-9100-E81E2F191CC3}" type="datetimeFigureOut">
               <a:rPr lang="en-US" smtClean="0"/>
+              <a:pPr/>
               <a:t>2/5/2015</a:t>
             </a:fld>
             <a:endParaRPr lang="en-US"/>
@@ -2749,6 +2773,7 @@
           <a:p>
             <a:fld id="{2AA7D3C4-0955-445F-A585-48038BA8F555}" type="slidenum">
               <a:rPr lang="en-US" smtClean="0"/>
+              <a:pPr/>
               <a:t>‹#›</a:t>
             </a:fld>
             <a:endParaRPr lang="en-US"/>
@@ -4725,6 +4750,121 @@
 </p:sld>
 </file>
 
+<file path=ppt/slides/slide8.xml><?xml version="1.0" encoding="utf-8"?>
+<p:sld xmlns:a="http://schemas.openxmlformats.org/drawingml/2006/main" xmlns:r="http://schemas.openxmlformats.org/officeDocument/2006/relationships" xmlns:p="http://schemas.openxmlformats.org/presentationml/2006/main">
+  <p:cSld>
+    <p:spTree>
+      <p:nvGrpSpPr>
+        <p:cNvPr id="1" name=""/>
+        <p:cNvGrpSpPr/>
+        <p:nvPr/>
+      </p:nvGrpSpPr>
+      <p:grpSpPr>
+        <a:xfrm>
+          <a:off x="0" y="0"/>
+          <a:ext cx="0" cy="0"/>
+          <a:chOff x="0" y="0"/>
+          <a:chExt cx="0" cy="0"/>
+        </a:xfrm>
+      </p:grpSpPr>
+      <p:pic>
+        <p:nvPicPr>
+          <p:cNvPr id="2" name="Picture 1"/>
+          <p:cNvPicPr/>
+          <p:nvPr/>
+        </p:nvPicPr>
+        <p:blipFill>
+          <a:blip r:embed="rId2"/>
+          <a:srcRect t="42675" r="49534" b="28854"/>
+          <a:stretch>
+            <a:fillRect/>
+          </a:stretch>
+        </p:blipFill>
+        <p:spPr bwMode="auto">
+          <a:xfrm>
+            <a:off x="228600" y="304800"/>
+            <a:ext cx="6254159" cy="1981200"/>
+          </a:xfrm>
+          <a:prstGeom prst="rect">
+            <a:avLst/>
+          </a:prstGeom>
+          <a:noFill/>
+          <a:ln w="9525">
+            <a:noFill/>
+            <a:miter lim="800000"/>
+            <a:headEnd/>
+            <a:tailEnd/>
+          </a:ln>
+        </p:spPr>
+      </p:pic>
+      <p:pic>
+        <p:nvPicPr>
+          <p:cNvPr id="3" name="Picture 2"/>
+          <p:cNvPicPr/>
+          <p:nvPr/>
+        </p:nvPicPr>
+        <p:blipFill>
+          <a:blip r:embed="rId2"/>
+          <a:srcRect l="1230" t="84286" r="79709" b="9144"/>
+          <a:stretch>
+            <a:fillRect/>
+          </a:stretch>
+        </p:blipFill>
+        <p:spPr bwMode="auto">
+          <a:xfrm>
+            <a:off x="6477000" y="1600200"/>
+            <a:ext cx="2362200" cy="457200"/>
+          </a:xfrm>
+          <a:prstGeom prst="rect">
+            <a:avLst/>
+          </a:prstGeom>
+          <a:noFill/>
+          <a:ln w="9525">
+            <a:noFill/>
+            <a:miter lim="800000"/>
+            <a:headEnd/>
+            <a:tailEnd/>
+          </a:ln>
+        </p:spPr>
+      </p:pic>
+      <p:sp>
+        <p:nvSpPr>
+          <p:cNvPr id="4" name="TextBox 3"/>
+          <p:cNvSpPr txBox="1"/>
+          <p:nvPr/>
+        </p:nvSpPr>
+        <p:spPr>
+          <a:xfrm>
+            <a:off x="1219200" y="0"/>
+            <a:ext cx="1406026" cy="369332"/>
+          </a:xfrm>
+          <a:prstGeom prst="rect">
+            <a:avLst/>
+          </a:prstGeom>
+          <a:noFill/>
+        </p:spPr>
+        <p:txBody>
+          <a:bodyPr wrap="none" rtlCol="0">
+            <a:spAutoFit/>
+          </a:bodyPr>
+          <a:lstStyle/>
+          <a:p>
+            <a:r>
+              <a:rPr lang="en-US" dirty="0" smtClean="0"/>
+              <a:t>Mutant1 150</a:t>
+            </a:r>
+            <a:endParaRPr lang="en-US" dirty="0"/>
+          </a:p>
+        </p:txBody>
+      </p:sp>
+    </p:spTree>
+  </p:cSld>
+  <p:clrMapOvr>
+    <a:masterClrMapping/>
+  </p:clrMapOvr>
+</p:sld>
+</file>
+
 <file path=ppt/theme/theme1.xml><?xml version="1.0" encoding="utf-8"?>
 <a:theme xmlns:a="http://schemas.openxmlformats.org/drawingml/2006/main" name="Office Theme">
   <a:themeElements>

--- a/Clustering Results Word Doc/Mutant1_150_Analysis_K4.pptx
+++ b/Clustering Results Word Doc/Mutant1_150_Analysis_K4.pptx
@@ -296,7 +296,7 @@
             <a:fld id="{D0C8D4D7-B523-445C-9100-E81E2F191CC3}" type="datetimeFigureOut">
               <a:rPr lang="en-US" smtClean="0"/>
               <a:pPr/>
-              <a:t>2/5/2015</a:t>
+              <a:t>2/8/2015</a:t>
             </a:fld>
             <a:endParaRPr lang="en-US"/>
           </a:p>
@@ -463,7 +463,7 @@
             <a:fld id="{D0C8D4D7-B523-445C-9100-E81E2F191CC3}" type="datetimeFigureOut">
               <a:rPr lang="en-US" smtClean="0"/>
               <a:pPr/>
-              <a:t>2/5/2015</a:t>
+              <a:t>2/8/2015</a:t>
             </a:fld>
             <a:endParaRPr lang="en-US"/>
           </a:p>
@@ -640,7 +640,7 @@
             <a:fld id="{D0C8D4D7-B523-445C-9100-E81E2F191CC3}" type="datetimeFigureOut">
               <a:rPr lang="en-US" smtClean="0"/>
               <a:pPr/>
-              <a:t>2/5/2015</a:t>
+              <a:t>2/8/2015</a:t>
             </a:fld>
             <a:endParaRPr lang="en-US"/>
           </a:p>
@@ -807,7 +807,7 @@
             <a:fld id="{D0C8D4D7-B523-445C-9100-E81E2F191CC3}" type="datetimeFigureOut">
               <a:rPr lang="en-US" smtClean="0"/>
               <a:pPr/>
-              <a:t>2/5/2015</a:t>
+              <a:t>2/8/2015</a:t>
             </a:fld>
             <a:endParaRPr lang="en-US"/>
           </a:p>
@@ -1050,7 +1050,7 @@
             <a:fld id="{D0C8D4D7-B523-445C-9100-E81E2F191CC3}" type="datetimeFigureOut">
               <a:rPr lang="en-US" smtClean="0"/>
               <a:pPr/>
-              <a:t>2/5/2015</a:t>
+              <a:t>2/8/2015</a:t>
             </a:fld>
             <a:endParaRPr lang="en-US"/>
           </a:p>
@@ -1335,7 +1335,7 @@
             <a:fld id="{D0C8D4D7-B523-445C-9100-E81E2F191CC3}" type="datetimeFigureOut">
               <a:rPr lang="en-US" smtClean="0"/>
               <a:pPr/>
-              <a:t>2/5/2015</a:t>
+              <a:t>2/8/2015</a:t>
             </a:fld>
             <a:endParaRPr lang="en-US"/>
           </a:p>
@@ -1754,7 +1754,7 @@
             <a:fld id="{D0C8D4D7-B523-445C-9100-E81E2F191CC3}" type="datetimeFigureOut">
               <a:rPr lang="en-US" smtClean="0"/>
               <a:pPr/>
-              <a:t>2/5/2015</a:t>
+              <a:t>2/8/2015</a:t>
             </a:fld>
             <a:endParaRPr lang="en-US"/>
           </a:p>
@@ -1869,7 +1869,7 @@
             <a:fld id="{D0C8D4D7-B523-445C-9100-E81E2F191CC3}" type="datetimeFigureOut">
               <a:rPr lang="en-US" smtClean="0"/>
               <a:pPr/>
-              <a:t>2/5/2015</a:t>
+              <a:t>2/8/2015</a:t>
             </a:fld>
             <a:endParaRPr lang="en-US"/>
           </a:p>
@@ -1961,7 +1961,7 @@
             <a:fld id="{D0C8D4D7-B523-445C-9100-E81E2F191CC3}" type="datetimeFigureOut">
               <a:rPr lang="en-US" smtClean="0"/>
               <a:pPr/>
-              <a:t>2/5/2015</a:t>
+              <a:t>2/8/2015</a:t>
             </a:fld>
             <a:endParaRPr lang="en-US"/>
           </a:p>
@@ -2235,7 +2235,7 @@
             <a:fld id="{D0C8D4D7-B523-445C-9100-E81E2F191CC3}" type="datetimeFigureOut">
               <a:rPr lang="en-US" smtClean="0"/>
               <a:pPr/>
-              <a:t>2/5/2015</a:t>
+              <a:t>2/8/2015</a:t>
             </a:fld>
             <a:endParaRPr lang="en-US"/>
           </a:p>
@@ -2485,7 +2485,7 @@
             <a:fld id="{D0C8D4D7-B523-445C-9100-E81E2F191CC3}" type="datetimeFigureOut">
               <a:rPr lang="en-US" smtClean="0"/>
               <a:pPr/>
-              <a:t>2/5/2015</a:t>
+              <a:t>2/8/2015</a:t>
             </a:fld>
             <a:endParaRPr lang="en-US"/>
           </a:p>
@@ -2695,7 +2695,7 @@
             <a:fld id="{D0C8D4D7-B523-445C-9100-E81E2F191CC3}" type="datetimeFigureOut">
               <a:rPr lang="en-US" smtClean="0"/>
               <a:pPr/>
-              <a:t>2/5/2015</a:t>
+              <a:t>2/8/2015</a:t>
             </a:fld>
             <a:endParaRPr lang="en-US"/>
           </a:p>
@@ -4767,23 +4767,55 @@
           <a:chExt cx="0" cy="0"/>
         </a:xfrm>
       </p:grpSpPr>
+      <p:sp>
+        <p:nvSpPr>
+          <p:cNvPr id="4" name="TextBox 3"/>
+          <p:cNvSpPr txBox="1"/>
+          <p:nvPr/>
+        </p:nvSpPr>
+        <p:spPr>
+          <a:xfrm>
+            <a:off x="1219200" y="0"/>
+            <a:ext cx="1406026" cy="369332"/>
+          </a:xfrm>
+          <a:prstGeom prst="rect">
+            <a:avLst/>
+          </a:prstGeom>
+          <a:noFill/>
+        </p:spPr>
+        <p:txBody>
+          <a:bodyPr wrap="none" rtlCol="0">
+            <a:spAutoFit/>
+          </a:bodyPr>
+          <a:lstStyle/>
+          <a:p>
+            <a:r>
+              <a:rPr lang="en-US" dirty="0" smtClean="0"/>
+              <a:t>Mutant1 150</a:t>
+            </a:r>
+            <a:endParaRPr lang="en-US" dirty="0"/>
+          </a:p>
+        </p:txBody>
+      </p:sp>
       <p:pic>
         <p:nvPicPr>
-          <p:cNvPr id="2" name="Picture 1"/>
-          <p:cNvPicPr/>
+          <p:cNvPr id="1026" name="Picture 2"/>
+          <p:cNvPicPr>
+            <a:picLocks noChangeAspect="1" noChangeArrowheads="1"/>
+          </p:cNvPicPr>
           <p:nvPr/>
         </p:nvPicPr>
         <p:blipFill>
           <a:blip r:embed="rId2"/>
-          <a:srcRect t="42675" r="49534" b="28854"/>
+          <a:srcRect l="260" t="64583" r="32064" b="8333"/>
           <a:stretch>
             <a:fillRect/>
           </a:stretch>
         </p:blipFill>
         <p:spPr bwMode="auto">
           <a:xfrm>
-            <a:off x="228600" y="304800"/>
-            <a:ext cx="6254159" cy="1981200"/>
+            <a:off x="0" y="533400"/>
+            <a:ext cx="9144000" cy="2057400"/>
           </a:xfrm>
           <a:prstGeom prst="rect">
             <a:avLst/>
@@ -4795,25 +4827,236 @@
             <a:headEnd/>
             <a:tailEnd/>
           </a:ln>
+          <a:effectLst/>
         </p:spPr>
       </p:pic>
+      <p:sp>
+        <p:nvSpPr>
+          <p:cNvPr id="7" name="TextBox 6"/>
+          <p:cNvSpPr txBox="1"/>
+          <p:nvPr/>
+        </p:nvSpPr>
+        <p:spPr>
+          <a:xfrm>
+            <a:off x="76200" y="304800"/>
+            <a:ext cx="9144000" cy="369332"/>
+          </a:xfrm>
+          <a:prstGeom prst="rect">
+            <a:avLst/>
+          </a:prstGeom>
+          <a:solidFill>
+            <a:schemeClr val="tx1"/>
+          </a:solidFill>
+        </p:spPr>
+        <p:txBody>
+          <a:bodyPr wrap="square" rtlCol="0">
+            <a:spAutoFit/>
+          </a:bodyPr>
+          <a:lstStyle/>
+          <a:p>
+            <a:r>
+              <a:rPr lang="en-US" dirty="0" smtClean="0">
+                <a:solidFill>
+                  <a:schemeClr val="bg1"/>
+                </a:solidFill>
+              </a:rPr>
+              <a:t>     Outer     Cortex       M1        M2         </a:t>
+            </a:r>
+            <a:r>
+              <a:rPr lang="en-US" dirty="0" err="1" smtClean="0">
+                <a:solidFill>
+                  <a:schemeClr val="bg1"/>
+                </a:solidFill>
+              </a:rPr>
+              <a:t>M2</a:t>
+            </a:r>
+            <a:r>
+              <a:rPr lang="en-US" dirty="0" smtClean="0">
+                <a:solidFill>
+                  <a:schemeClr val="bg1"/>
+                </a:solidFill>
+              </a:rPr>
+              <a:t>        M1       Cortex    Outer      </a:t>
+            </a:r>
+            <a:r>
+              <a:rPr lang="en-US" dirty="0" err="1" smtClean="0">
+                <a:solidFill>
+                  <a:schemeClr val="bg1"/>
+                </a:solidFill>
+              </a:rPr>
+              <a:t>Outer</a:t>
+            </a:r>
+            <a:r>
+              <a:rPr lang="en-US" dirty="0" smtClean="0">
+                <a:solidFill>
+                  <a:schemeClr val="bg1"/>
+                </a:solidFill>
+              </a:rPr>
+              <a:t>      M1       M2</a:t>
+            </a:r>
+            <a:endParaRPr lang="en-US" dirty="0">
+              <a:solidFill>
+                <a:schemeClr val="bg1"/>
+              </a:solidFill>
+            </a:endParaRPr>
+          </a:p>
+        </p:txBody>
+      </p:sp>
+      <p:sp>
+        <p:nvSpPr>
+          <p:cNvPr id="8" name="TextBox 7"/>
+          <p:cNvSpPr txBox="1"/>
+          <p:nvPr/>
+        </p:nvSpPr>
+        <p:spPr>
+          <a:xfrm>
+            <a:off x="-306334" y="762000"/>
+            <a:ext cx="611134" cy="1785104"/>
+          </a:xfrm>
+          <a:prstGeom prst="rect">
+            <a:avLst/>
+          </a:prstGeom>
+          <a:solidFill>
+            <a:schemeClr val="tx1"/>
+          </a:solidFill>
+        </p:spPr>
+        <p:txBody>
+          <a:bodyPr wrap="square" rtlCol="0">
+            <a:spAutoFit/>
+          </a:bodyPr>
+          <a:lstStyle/>
+          <a:p>
+            <a:r>
+              <a:rPr lang="en-US" sz="1000" dirty="0" smtClean="0">
+                <a:solidFill>
+                  <a:schemeClr val="bg1"/>
+                </a:solidFill>
+              </a:rPr>
+              <a:t>Cortex</a:t>
+            </a:r>
+          </a:p>
+          <a:p>
+            <a:r>
+              <a:rPr lang="en-US" sz="1000" dirty="0" smtClean="0">
+                <a:solidFill>
+                  <a:schemeClr val="bg1"/>
+                </a:solidFill>
+              </a:rPr>
+              <a:t>       M1</a:t>
+            </a:r>
+          </a:p>
+          <a:p>
+            <a:r>
+              <a:rPr lang="en-US" sz="1000" dirty="0" smtClean="0">
+                <a:solidFill>
+                  <a:schemeClr val="bg1"/>
+                </a:solidFill>
+              </a:rPr>
+              <a:t>       M2</a:t>
+            </a:r>
+          </a:p>
+          <a:p>
+            <a:r>
+              <a:rPr lang="en-US" sz="1000" dirty="0" smtClean="0">
+                <a:solidFill>
+                  <a:schemeClr val="bg1"/>
+                </a:solidFill>
+              </a:rPr>
+              <a:t>       M2</a:t>
+            </a:r>
+          </a:p>
+          <a:p>
+            <a:r>
+              <a:rPr lang="en-US" sz="1000" dirty="0" smtClean="0">
+                <a:solidFill>
+                  <a:schemeClr val="bg1"/>
+                </a:solidFill>
+              </a:rPr>
+              <a:t>       M1</a:t>
+            </a:r>
+          </a:p>
+          <a:p>
+            <a:r>
+              <a:rPr lang="en-US" sz="1000" dirty="0" smtClean="0">
+                <a:solidFill>
+                  <a:schemeClr val="bg1"/>
+                </a:solidFill>
+              </a:rPr>
+              <a:t>  Cortex</a:t>
+            </a:r>
+          </a:p>
+          <a:p>
+            <a:r>
+              <a:rPr lang="en-US" sz="1000" dirty="0" smtClean="0">
+                <a:solidFill>
+                  <a:schemeClr val="bg1"/>
+                </a:solidFill>
+              </a:rPr>
+              <a:t>    Outer</a:t>
+            </a:r>
+          </a:p>
+          <a:p>
+            <a:r>
+              <a:rPr lang="en-US" sz="1000" dirty="0" smtClean="0">
+                <a:solidFill>
+                  <a:schemeClr val="bg1"/>
+                </a:solidFill>
+              </a:rPr>
+              <a:t>    Outer</a:t>
+            </a:r>
+          </a:p>
+          <a:p>
+            <a:r>
+              <a:rPr lang="en-US" sz="1000" dirty="0" smtClean="0">
+                <a:solidFill>
+                  <a:schemeClr val="bg1"/>
+                </a:solidFill>
+              </a:rPr>
+              <a:t>        M1</a:t>
+            </a:r>
+          </a:p>
+          <a:p>
+            <a:r>
+              <a:rPr lang="en-US" sz="1000" dirty="0" smtClean="0">
+                <a:solidFill>
+                  <a:schemeClr val="bg1"/>
+                </a:solidFill>
+              </a:rPr>
+              <a:t>        M2</a:t>
+            </a:r>
+          </a:p>
+          <a:p>
+            <a:r>
+              <a:rPr lang="en-US" sz="1000" dirty="0" smtClean="0">
+                <a:solidFill>
+                  <a:schemeClr val="bg1"/>
+                </a:solidFill>
+              </a:rPr>
+              <a:t>   Cortex</a:t>
+            </a:r>
+            <a:endParaRPr lang="en-US" sz="1000" dirty="0"/>
+          </a:p>
+        </p:txBody>
+      </p:sp>
       <p:pic>
         <p:nvPicPr>
-          <p:cNvPr id="3" name="Picture 2"/>
-          <p:cNvPicPr/>
+          <p:cNvPr id="2" name="Picture 2"/>
+          <p:cNvPicPr>
+            <a:picLocks noChangeAspect="1" noChangeArrowheads="1"/>
+          </p:cNvPicPr>
           <p:nvPr/>
         </p:nvPicPr>
         <p:blipFill>
-          <a:blip r:embed="rId2"/>
-          <a:srcRect l="1230" t="84286" r="79709" b="9144"/>
+          <a:blip r:embed="rId3"/>
+          <a:srcRect t="7292" b="4587"/>
           <a:stretch>
             <a:fillRect/>
           </a:stretch>
         </p:blipFill>
         <p:spPr bwMode="auto">
           <a:xfrm>
-            <a:off x="6477000" y="1600200"/>
-            <a:ext cx="2362200" cy="457200"/>
+            <a:off x="54396" y="2590799"/>
+            <a:ext cx="8632404" cy="4276827"/>
           </a:xfrm>
           <a:prstGeom prst="rect">
             <a:avLst/>
@@ -4825,18 +5068,19 @@
             <a:headEnd/>
             <a:tailEnd/>
           </a:ln>
+          <a:effectLst/>
         </p:spPr>
       </p:pic>
       <p:sp>
         <p:nvSpPr>
-          <p:cNvPr id="4" name="TextBox 3"/>
+          <p:cNvPr id="9" name="TextBox 8"/>
           <p:cNvSpPr txBox="1"/>
           <p:nvPr/>
         </p:nvSpPr>
         <p:spPr>
           <a:xfrm>
-            <a:off x="1219200" y="0"/>
-            <a:ext cx="1406026" cy="369332"/>
+            <a:off x="533400" y="6096000"/>
+            <a:ext cx="8233536" cy="307777"/>
           </a:xfrm>
           <a:prstGeom prst="rect">
             <a:avLst/>
@@ -4850,10 +5094,26 @@
           <a:lstStyle/>
           <a:p>
             <a:r>
-              <a:rPr lang="en-US" dirty="0" smtClean="0"/>
-              <a:t>Mutant1 150</a:t>
-            </a:r>
-            <a:endParaRPr lang="en-US" dirty="0"/>
+              <a:rPr lang="en-US" sz="1400" dirty="0" smtClean="0"/>
+              <a:t>S3Outer</a:t>
+            </a:r>
+            <a:r>
+              <a:rPr lang="en-US" sz="1400" dirty="0" smtClean="0"/>
+              <a:t> </a:t>
+            </a:r>
+            <a:r>
+              <a:rPr lang="en-US" sz="1400" dirty="0" smtClean="0"/>
+              <a:t> S1Outer,  S2Outer    S2M1    S1Cortex  S3Cortex    S2M2     S1M2       </a:t>
+            </a:r>
+            <a:r>
+              <a:rPr lang="en-US" sz="1400" smtClean="0"/>
+              <a:t>S2M2       S2Cortex   S1M1   S3 </a:t>
+            </a:r>
+            <a:r>
+              <a:rPr lang="en-US" sz="1400" dirty="0" err="1" smtClean="0"/>
+              <a:t>M1</a:t>
+            </a:r>
+            <a:endParaRPr lang="en-US" sz="1400" dirty="0"/>
           </a:p>
         </p:txBody>
       </p:sp>

--- a/Clustering Results Word Doc/Mutant1_150_Analysis_K4.pptx
+++ b/Clustering Results Word Doc/Mutant1_150_Analysis_K4.pptx
@@ -296,7 +296,7 @@
             <a:fld id="{D0C8D4D7-B523-445C-9100-E81E2F191CC3}" type="datetimeFigureOut">
               <a:rPr lang="en-US" smtClean="0"/>
               <a:pPr/>
-              <a:t>2/8/2015</a:t>
+              <a:t>3/10/2015</a:t>
             </a:fld>
             <a:endParaRPr lang="en-US"/>
           </a:p>
@@ -463,7 +463,7 @@
             <a:fld id="{D0C8D4D7-B523-445C-9100-E81E2F191CC3}" type="datetimeFigureOut">
               <a:rPr lang="en-US" smtClean="0"/>
               <a:pPr/>
-              <a:t>2/8/2015</a:t>
+              <a:t>3/10/2015</a:t>
             </a:fld>
             <a:endParaRPr lang="en-US"/>
           </a:p>
@@ -640,7 +640,7 @@
             <a:fld id="{D0C8D4D7-B523-445C-9100-E81E2F191CC3}" type="datetimeFigureOut">
               <a:rPr lang="en-US" smtClean="0"/>
               <a:pPr/>
-              <a:t>2/8/2015</a:t>
+              <a:t>3/10/2015</a:t>
             </a:fld>
             <a:endParaRPr lang="en-US"/>
           </a:p>
@@ -807,7 +807,7 @@
             <a:fld id="{D0C8D4D7-B523-445C-9100-E81E2F191CC3}" type="datetimeFigureOut">
               <a:rPr lang="en-US" smtClean="0"/>
               <a:pPr/>
-              <a:t>2/8/2015</a:t>
+              <a:t>3/10/2015</a:t>
             </a:fld>
             <a:endParaRPr lang="en-US"/>
           </a:p>
@@ -1050,7 +1050,7 @@
             <a:fld id="{D0C8D4D7-B523-445C-9100-E81E2F191CC3}" type="datetimeFigureOut">
               <a:rPr lang="en-US" smtClean="0"/>
               <a:pPr/>
-              <a:t>2/8/2015</a:t>
+              <a:t>3/10/2015</a:t>
             </a:fld>
             <a:endParaRPr lang="en-US"/>
           </a:p>
@@ -1335,7 +1335,7 @@
             <a:fld id="{D0C8D4D7-B523-445C-9100-E81E2F191CC3}" type="datetimeFigureOut">
               <a:rPr lang="en-US" smtClean="0"/>
               <a:pPr/>
-              <a:t>2/8/2015</a:t>
+              <a:t>3/10/2015</a:t>
             </a:fld>
             <a:endParaRPr lang="en-US"/>
           </a:p>
@@ -1754,7 +1754,7 @@
             <a:fld id="{D0C8D4D7-B523-445C-9100-E81E2F191CC3}" type="datetimeFigureOut">
               <a:rPr lang="en-US" smtClean="0"/>
               <a:pPr/>
-              <a:t>2/8/2015</a:t>
+              <a:t>3/10/2015</a:t>
             </a:fld>
             <a:endParaRPr lang="en-US"/>
           </a:p>
@@ -1869,7 +1869,7 @@
             <a:fld id="{D0C8D4D7-B523-445C-9100-E81E2F191CC3}" type="datetimeFigureOut">
               <a:rPr lang="en-US" smtClean="0"/>
               <a:pPr/>
-              <a:t>2/8/2015</a:t>
+              <a:t>3/10/2015</a:t>
             </a:fld>
             <a:endParaRPr lang="en-US"/>
           </a:p>
@@ -1961,7 +1961,7 @@
             <a:fld id="{D0C8D4D7-B523-445C-9100-E81E2F191CC3}" type="datetimeFigureOut">
               <a:rPr lang="en-US" smtClean="0"/>
               <a:pPr/>
-              <a:t>2/8/2015</a:t>
+              <a:t>3/10/2015</a:t>
             </a:fld>
             <a:endParaRPr lang="en-US"/>
           </a:p>
@@ -2235,7 +2235,7 @@
             <a:fld id="{D0C8D4D7-B523-445C-9100-E81E2F191CC3}" type="datetimeFigureOut">
               <a:rPr lang="en-US" smtClean="0"/>
               <a:pPr/>
-              <a:t>2/8/2015</a:t>
+              <a:t>3/10/2015</a:t>
             </a:fld>
             <a:endParaRPr lang="en-US"/>
           </a:p>
@@ -2485,7 +2485,7 @@
             <a:fld id="{D0C8D4D7-B523-445C-9100-E81E2F191CC3}" type="datetimeFigureOut">
               <a:rPr lang="en-US" smtClean="0"/>
               <a:pPr/>
-              <a:t>2/8/2015</a:t>
+              <a:t>3/10/2015</a:t>
             </a:fld>
             <a:endParaRPr lang="en-US"/>
           </a:p>
@@ -2695,7 +2695,7 @@
             <a:fld id="{D0C8D4D7-B523-445C-9100-E81E2F191CC3}" type="datetimeFigureOut">
               <a:rPr lang="en-US" smtClean="0"/>
               <a:pPr/>
-              <a:t>2/8/2015</a:t>
+              <a:t>3/10/2015</a:t>
             </a:fld>
             <a:endParaRPr lang="en-US"/>
           </a:p>
@@ -3156,44 +3156,6 @@
           </a:ln>
         </p:spPr>
       </p:pic>
-      <p:sp>
-        <p:nvSpPr>
-          <p:cNvPr id="7" name="TextBox 6"/>
-          <p:cNvSpPr txBox="1"/>
-          <p:nvPr/>
-        </p:nvSpPr>
-        <p:spPr>
-          <a:xfrm>
-            <a:off x="-304800" y="0"/>
-            <a:ext cx="9144000" cy="400110"/>
-          </a:xfrm>
-          <a:prstGeom prst="rect">
-            <a:avLst/>
-          </a:prstGeom>
-          <a:noFill/>
-        </p:spPr>
-        <p:txBody>
-          <a:bodyPr wrap="square" rtlCol="0">
-            <a:spAutoFit/>
-          </a:bodyPr>
-          <a:lstStyle/>
-          <a:p>
-            <a:r>
-              <a:rPr lang="en-US" sz="2000" dirty="0" smtClean="0"/>
-              <a:t>       CD11c  CD25  CD31  CD205  Claud5  Claud34  Foxp3  K5  K14  </a:t>
-            </a:r>
-            <a:r>
-              <a:rPr lang="en-US" sz="2000" dirty="0" err="1" smtClean="0"/>
-              <a:t>PDGFRb</a:t>
-            </a:r>
-            <a:r>
-              <a:rPr lang="en-US" sz="2000" dirty="0" smtClean="0"/>
-              <a:t>  UEA1</a:t>
-            </a:r>
-            <a:endParaRPr lang="en-US" sz="2000" dirty="0"/>
-          </a:p>
-        </p:txBody>
-      </p:sp>
       <p:pic>
         <p:nvPicPr>
           <p:cNvPr id="8" name="Picture 7"/>
@@ -3284,6 +3246,44 @@
           </a:ln>
         </p:spPr>
       </p:pic>
+      <p:sp>
+        <p:nvSpPr>
+          <p:cNvPr id="11" name="TextBox 10"/>
+          <p:cNvSpPr txBox="1"/>
+          <p:nvPr/>
+        </p:nvSpPr>
+        <p:spPr>
+          <a:xfrm>
+            <a:off x="0" y="6412468"/>
+            <a:ext cx="8268097" cy="369332"/>
+          </a:xfrm>
+          <a:prstGeom prst="rect">
+            <a:avLst/>
+          </a:prstGeom>
+          <a:noFill/>
+        </p:spPr>
+        <p:txBody>
+          <a:bodyPr wrap="none" rtlCol="0">
+            <a:spAutoFit/>
+          </a:bodyPr>
+          <a:lstStyle/>
+          <a:p>
+            <a:r>
+              <a:rPr lang="en-US" dirty="0" smtClean="0"/>
+              <a:t>CD11c     CD205     CD31      Claud34    Claud5     Foxp3     K14      K5      </a:t>
+            </a:r>
+            <a:r>
+              <a:rPr lang="en-US" dirty="0" err="1" smtClean="0"/>
+              <a:t>PDGFRb</a:t>
+            </a:r>
+            <a:r>
+              <a:rPr lang="en-US" dirty="0" smtClean="0"/>
+              <a:t>      UEA1</a:t>
+            </a:r>
+            <a:endParaRPr lang="en-US" dirty="0"/>
+          </a:p>
+        </p:txBody>
+      </p:sp>
     </p:spTree>
   </p:cSld>
   <p:clrMapOvr>
@@ -3399,44 +3399,6 @@
           </a:ln>
         </p:spPr>
       </p:pic>
-      <p:sp>
-        <p:nvSpPr>
-          <p:cNvPr id="7" name="TextBox 6"/>
-          <p:cNvSpPr txBox="1"/>
-          <p:nvPr/>
-        </p:nvSpPr>
-        <p:spPr>
-          <a:xfrm>
-            <a:off x="-304800" y="0"/>
-            <a:ext cx="9144000" cy="400110"/>
-          </a:xfrm>
-          <a:prstGeom prst="rect">
-            <a:avLst/>
-          </a:prstGeom>
-          <a:noFill/>
-        </p:spPr>
-        <p:txBody>
-          <a:bodyPr wrap="square" rtlCol="0">
-            <a:spAutoFit/>
-          </a:bodyPr>
-          <a:lstStyle/>
-          <a:p>
-            <a:r>
-              <a:rPr lang="en-US" sz="2000" dirty="0" smtClean="0"/>
-              <a:t>       CD11c  CD25  CD31  CD205  Claud5  Claud34  Foxp3  K5  K14  </a:t>
-            </a:r>
-            <a:r>
-              <a:rPr lang="en-US" sz="2000" dirty="0" err="1" smtClean="0"/>
-              <a:t>PDGFRb</a:t>
-            </a:r>
-            <a:r>
-              <a:rPr lang="en-US" sz="2000" dirty="0" smtClean="0"/>
-              <a:t>  UEA1</a:t>
-            </a:r>
-            <a:endParaRPr lang="en-US" sz="2000" dirty="0"/>
-          </a:p>
-        </p:txBody>
-      </p:sp>
       <p:pic>
         <p:nvPicPr>
           <p:cNvPr id="8" name="Picture 7"/>
@@ -3527,6 +3489,44 @@
           </a:ln>
         </p:spPr>
       </p:pic>
+      <p:sp>
+        <p:nvSpPr>
+          <p:cNvPr id="12" name="TextBox 11"/>
+          <p:cNvSpPr txBox="1"/>
+          <p:nvPr/>
+        </p:nvSpPr>
+        <p:spPr>
+          <a:xfrm>
+            <a:off x="0" y="6412468"/>
+            <a:ext cx="8268097" cy="369332"/>
+          </a:xfrm>
+          <a:prstGeom prst="rect">
+            <a:avLst/>
+          </a:prstGeom>
+          <a:noFill/>
+        </p:spPr>
+        <p:txBody>
+          <a:bodyPr wrap="none" rtlCol="0">
+            <a:spAutoFit/>
+          </a:bodyPr>
+          <a:lstStyle/>
+          <a:p>
+            <a:r>
+              <a:rPr lang="en-US" dirty="0" smtClean="0"/>
+              <a:t>CD11c     CD205     CD31      Claud34    Claud5     Foxp3     K14      K5      </a:t>
+            </a:r>
+            <a:r>
+              <a:rPr lang="en-US" dirty="0" err="1" smtClean="0"/>
+              <a:t>PDGFRb</a:t>
+            </a:r>
+            <a:r>
+              <a:rPr lang="en-US" dirty="0" smtClean="0"/>
+              <a:t>      UEA1</a:t>
+            </a:r>
+            <a:endParaRPr lang="en-US" dirty="0"/>
+          </a:p>
+        </p:txBody>
+      </p:sp>
     </p:spTree>
   </p:cSld>
   <p:clrMapOvr>
@@ -3642,44 +3642,6 @@
           </a:ln>
         </p:spPr>
       </p:pic>
-      <p:sp>
-        <p:nvSpPr>
-          <p:cNvPr id="7" name="TextBox 6"/>
-          <p:cNvSpPr txBox="1"/>
-          <p:nvPr/>
-        </p:nvSpPr>
-        <p:spPr>
-          <a:xfrm>
-            <a:off x="-304800" y="0"/>
-            <a:ext cx="9144000" cy="400110"/>
-          </a:xfrm>
-          <a:prstGeom prst="rect">
-            <a:avLst/>
-          </a:prstGeom>
-          <a:noFill/>
-        </p:spPr>
-        <p:txBody>
-          <a:bodyPr wrap="square" rtlCol="0">
-            <a:spAutoFit/>
-          </a:bodyPr>
-          <a:lstStyle/>
-          <a:p>
-            <a:r>
-              <a:rPr lang="en-US" sz="2000" dirty="0" smtClean="0"/>
-              <a:t>       CD11c  CD25  CD31  CD205  Claud5  Claud34  Foxp3  K5  K14  </a:t>
-            </a:r>
-            <a:r>
-              <a:rPr lang="en-US" sz="2000" dirty="0" err="1" smtClean="0"/>
-              <a:t>PDGFRb</a:t>
-            </a:r>
-            <a:r>
-              <a:rPr lang="en-US" sz="2000" dirty="0" smtClean="0"/>
-              <a:t>  UEA1</a:t>
-            </a:r>
-            <a:endParaRPr lang="en-US" sz="2000" dirty="0"/>
-          </a:p>
-        </p:txBody>
-      </p:sp>
       <p:pic>
         <p:nvPicPr>
           <p:cNvPr id="8" name="Picture 7"/>
@@ -3770,6 +3732,44 @@
           </a:ln>
         </p:spPr>
       </p:pic>
+      <p:sp>
+        <p:nvSpPr>
+          <p:cNvPr id="12" name="TextBox 11"/>
+          <p:cNvSpPr txBox="1"/>
+          <p:nvPr/>
+        </p:nvSpPr>
+        <p:spPr>
+          <a:xfrm>
+            <a:off x="0" y="6412468"/>
+            <a:ext cx="8268097" cy="369332"/>
+          </a:xfrm>
+          <a:prstGeom prst="rect">
+            <a:avLst/>
+          </a:prstGeom>
+          <a:noFill/>
+        </p:spPr>
+        <p:txBody>
+          <a:bodyPr wrap="none" rtlCol="0">
+            <a:spAutoFit/>
+          </a:bodyPr>
+          <a:lstStyle/>
+          <a:p>
+            <a:r>
+              <a:rPr lang="en-US" dirty="0" smtClean="0"/>
+              <a:t>CD11c     CD205     CD31      Claud34    Claud5     Foxp3     K14      K5      </a:t>
+            </a:r>
+            <a:r>
+              <a:rPr lang="en-US" dirty="0" err="1" smtClean="0"/>
+              <a:t>PDGFRb</a:t>
+            </a:r>
+            <a:r>
+              <a:rPr lang="en-US" dirty="0" smtClean="0"/>
+              <a:t>      UEA1</a:t>
+            </a:r>
+            <a:endParaRPr lang="en-US" dirty="0"/>
+          </a:p>
+        </p:txBody>
+      </p:sp>
     </p:spTree>
   </p:cSld>
   <p:clrMapOvr>
@@ -3885,44 +3885,6 @@
           </a:ln>
         </p:spPr>
       </p:pic>
-      <p:sp>
-        <p:nvSpPr>
-          <p:cNvPr id="7" name="TextBox 6"/>
-          <p:cNvSpPr txBox="1"/>
-          <p:nvPr/>
-        </p:nvSpPr>
-        <p:spPr>
-          <a:xfrm>
-            <a:off x="-304800" y="0"/>
-            <a:ext cx="9144000" cy="400110"/>
-          </a:xfrm>
-          <a:prstGeom prst="rect">
-            <a:avLst/>
-          </a:prstGeom>
-          <a:noFill/>
-        </p:spPr>
-        <p:txBody>
-          <a:bodyPr wrap="square" rtlCol="0">
-            <a:spAutoFit/>
-          </a:bodyPr>
-          <a:lstStyle/>
-          <a:p>
-            <a:r>
-              <a:rPr lang="en-US" sz="2000" dirty="0" smtClean="0"/>
-              <a:t>       CD11c  CD25  CD31  CD205  Claud5  Claud34  Foxp3  K5  K14  </a:t>
-            </a:r>
-            <a:r>
-              <a:rPr lang="en-US" sz="2000" dirty="0" err="1" smtClean="0"/>
-              <a:t>PDGFRb</a:t>
-            </a:r>
-            <a:r>
-              <a:rPr lang="en-US" sz="2000" dirty="0" smtClean="0"/>
-              <a:t>  UEA1</a:t>
-            </a:r>
-            <a:endParaRPr lang="en-US" sz="2000" dirty="0"/>
-          </a:p>
-        </p:txBody>
-      </p:sp>
       <p:pic>
         <p:nvPicPr>
           <p:cNvPr id="8" name="Picture 7"/>
@@ -4013,6 +3975,44 @@
           </a:ln>
         </p:spPr>
       </p:pic>
+      <p:sp>
+        <p:nvSpPr>
+          <p:cNvPr id="12" name="TextBox 11"/>
+          <p:cNvSpPr txBox="1"/>
+          <p:nvPr/>
+        </p:nvSpPr>
+        <p:spPr>
+          <a:xfrm>
+            <a:off x="0" y="6412468"/>
+            <a:ext cx="8268097" cy="369332"/>
+          </a:xfrm>
+          <a:prstGeom prst="rect">
+            <a:avLst/>
+          </a:prstGeom>
+          <a:noFill/>
+        </p:spPr>
+        <p:txBody>
+          <a:bodyPr wrap="none" rtlCol="0">
+            <a:spAutoFit/>
+          </a:bodyPr>
+          <a:lstStyle/>
+          <a:p>
+            <a:r>
+              <a:rPr lang="en-US" dirty="0" smtClean="0"/>
+              <a:t>CD11c     CD205     CD31      Claud34    Claud5     Foxp3     K14      K5      </a:t>
+            </a:r>
+            <a:r>
+              <a:rPr lang="en-US" dirty="0" err="1" smtClean="0"/>
+              <a:t>PDGFRb</a:t>
+            </a:r>
+            <a:r>
+              <a:rPr lang="en-US" dirty="0" smtClean="0"/>
+              <a:t>      UEA1</a:t>
+            </a:r>
+            <a:endParaRPr lang="en-US" dirty="0"/>
+          </a:p>
+        </p:txBody>
+      </p:sp>
     </p:spTree>
   </p:cSld>
   <p:clrMapOvr>
@@ -4158,44 +4158,6 @@
           </a:ln>
         </p:spPr>
       </p:pic>
-      <p:sp>
-        <p:nvSpPr>
-          <p:cNvPr id="6" name="TextBox 5"/>
-          <p:cNvSpPr txBox="1"/>
-          <p:nvPr/>
-        </p:nvSpPr>
-        <p:spPr>
-          <a:xfrm>
-            <a:off x="-304800" y="0"/>
-            <a:ext cx="9144000" cy="400110"/>
-          </a:xfrm>
-          <a:prstGeom prst="rect">
-            <a:avLst/>
-          </a:prstGeom>
-          <a:noFill/>
-        </p:spPr>
-        <p:txBody>
-          <a:bodyPr wrap="square" rtlCol="0">
-            <a:spAutoFit/>
-          </a:bodyPr>
-          <a:lstStyle/>
-          <a:p>
-            <a:r>
-              <a:rPr lang="en-US" sz="2000" dirty="0" smtClean="0"/>
-              <a:t>       CD11c  CD25  CD31  CD205  Claud5  Claud34  Foxp3  K5  K14  </a:t>
-            </a:r>
-            <a:r>
-              <a:rPr lang="en-US" sz="2000" dirty="0" err="1" smtClean="0"/>
-              <a:t>PDGFRb</a:t>
-            </a:r>
-            <a:r>
-              <a:rPr lang="en-US" sz="2000" dirty="0" smtClean="0"/>
-              <a:t>  UEA1</a:t>
-            </a:r>
-            <a:endParaRPr lang="en-US" sz="2000" dirty="0"/>
-          </a:p>
-        </p:txBody>
-      </p:sp>
       <p:pic>
         <p:nvPicPr>
           <p:cNvPr id="7" name="Picture 6"/>
@@ -4256,6 +4218,44 @@
           </a:ln>
         </p:spPr>
       </p:pic>
+      <p:sp>
+        <p:nvSpPr>
+          <p:cNvPr id="10" name="TextBox 9"/>
+          <p:cNvSpPr txBox="1"/>
+          <p:nvPr/>
+        </p:nvSpPr>
+        <p:spPr>
+          <a:xfrm>
+            <a:off x="0" y="6412468"/>
+            <a:ext cx="8268097" cy="369332"/>
+          </a:xfrm>
+          <a:prstGeom prst="rect">
+            <a:avLst/>
+          </a:prstGeom>
+          <a:noFill/>
+        </p:spPr>
+        <p:txBody>
+          <a:bodyPr wrap="none" rtlCol="0">
+            <a:spAutoFit/>
+          </a:bodyPr>
+          <a:lstStyle/>
+          <a:p>
+            <a:r>
+              <a:rPr lang="en-US" dirty="0" smtClean="0"/>
+              <a:t>CD11c     CD205     CD31      Claud34    Claud5     Foxp3     K14      K5      </a:t>
+            </a:r>
+            <a:r>
+              <a:rPr lang="en-US" dirty="0" err="1" smtClean="0"/>
+              <a:t>PDGFRb</a:t>
+            </a:r>
+            <a:r>
+              <a:rPr lang="en-US" dirty="0" smtClean="0"/>
+              <a:t>      UEA1</a:t>
+            </a:r>
+            <a:endParaRPr lang="en-US" dirty="0"/>
+          </a:p>
+        </p:txBody>
+      </p:sp>
     </p:spTree>
   </p:cSld>
   <p:clrMapOvr>
@@ -4401,44 +4401,6 @@
           </a:ln>
         </p:spPr>
       </p:pic>
-      <p:sp>
-        <p:nvSpPr>
-          <p:cNvPr id="6" name="TextBox 5"/>
-          <p:cNvSpPr txBox="1"/>
-          <p:nvPr/>
-        </p:nvSpPr>
-        <p:spPr>
-          <a:xfrm>
-            <a:off x="-304800" y="0"/>
-            <a:ext cx="9144000" cy="400110"/>
-          </a:xfrm>
-          <a:prstGeom prst="rect">
-            <a:avLst/>
-          </a:prstGeom>
-          <a:noFill/>
-        </p:spPr>
-        <p:txBody>
-          <a:bodyPr wrap="square" rtlCol="0">
-            <a:spAutoFit/>
-          </a:bodyPr>
-          <a:lstStyle/>
-          <a:p>
-            <a:r>
-              <a:rPr lang="en-US" sz="2000" dirty="0" smtClean="0"/>
-              <a:t>       CD11c  CD25  CD31  CD205  Claud5  Claud34  Foxp3  K5  K14  </a:t>
-            </a:r>
-            <a:r>
-              <a:rPr lang="en-US" sz="2000" dirty="0" err="1" smtClean="0"/>
-              <a:t>PDGFRb</a:t>
-            </a:r>
-            <a:r>
-              <a:rPr lang="en-US" sz="2000" dirty="0" smtClean="0"/>
-              <a:t>  UEA1</a:t>
-            </a:r>
-            <a:endParaRPr lang="en-US" sz="2000" dirty="0"/>
-          </a:p>
-        </p:txBody>
-      </p:sp>
       <p:pic>
         <p:nvPicPr>
           <p:cNvPr id="7" name="Picture 6"/>
@@ -4499,6 +4461,44 @@
           </a:ln>
         </p:spPr>
       </p:pic>
+      <p:sp>
+        <p:nvSpPr>
+          <p:cNvPr id="10" name="TextBox 9"/>
+          <p:cNvSpPr txBox="1"/>
+          <p:nvPr/>
+        </p:nvSpPr>
+        <p:spPr>
+          <a:xfrm>
+            <a:off x="0" y="6412468"/>
+            <a:ext cx="8268097" cy="369332"/>
+          </a:xfrm>
+          <a:prstGeom prst="rect">
+            <a:avLst/>
+          </a:prstGeom>
+          <a:noFill/>
+        </p:spPr>
+        <p:txBody>
+          <a:bodyPr wrap="none" rtlCol="0">
+            <a:spAutoFit/>
+          </a:bodyPr>
+          <a:lstStyle/>
+          <a:p>
+            <a:r>
+              <a:rPr lang="en-US" dirty="0" smtClean="0"/>
+              <a:t>CD11c     CD205     CD31      Claud34    Claud5     Foxp3     K14      K5      </a:t>
+            </a:r>
+            <a:r>
+              <a:rPr lang="en-US" dirty="0" err="1" smtClean="0"/>
+              <a:t>PDGFRb</a:t>
+            </a:r>
+            <a:r>
+              <a:rPr lang="en-US" dirty="0" smtClean="0"/>
+              <a:t>      UEA1</a:t>
+            </a:r>
+            <a:endParaRPr lang="en-US" dirty="0"/>
+          </a:p>
+        </p:txBody>
+      </p:sp>
     </p:spTree>
   </p:cSld>
   <p:clrMapOvr>
@@ -4644,44 +4644,6 @@
           </a:ln>
         </p:spPr>
       </p:pic>
-      <p:sp>
-        <p:nvSpPr>
-          <p:cNvPr id="6" name="TextBox 5"/>
-          <p:cNvSpPr txBox="1"/>
-          <p:nvPr/>
-        </p:nvSpPr>
-        <p:spPr>
-          <a:xfrm>
-            <a:off x="-304800" y="0"/>
-            <a:ext cx="9144000" cy="400110"/>
-          </a:xfrm>
-          <a:prstGeom prst="rect">
-            <a:avLst/>
-          </a:prstGeom>
-          <a:noFill/>
-        </p:spPr>
-        <p:txBody>
-          <a:bodyPr wrap="square" rtlCol="0">
-            <a:spAutoFit/>
-          </a:bodyPr>
-          <a:lstStyle/>
-          <a:p>
-            <a:r>
-              <a:rPr lang="en-US" sz="2000" dirty="0" smtClean="0"/>
-              <a:t>       CD11c  CD25  CD31  CD205  Claud5  Claud34  Foxp3  K5  K14  </a:t>
-            </a:r>
-            <a:r>
-              <a:rPr lang="en-US" sz="2000" dirty="0" err="1" smtClean="0"/>
-              <a:t>PDGFRb</a:t>
-            </a:r>
-            <a:r>
-              <a:rPr lang="en-US" sz="2000" dirty="0" smtClean="0"/>
-              <a:t>  UEA1</a:t>
-            </a:r>
-            <a:endParaRPr lang="en-US" sz="2000" dirty="0"/>
-          </a:p>
-        </p:txBody>
-      </p:sp>
       <p:pic>
         <p:nvPicPr>
           <p:cNvPr id="7" name="Picture 6"/>
@@ -4742,6 +4704,44 @@
           </a:ln>
         </p:spPr>
       </p:pic>
+      <p:sp>
+        <p:nvSpPr>
+          <p:cNvPr id="10" name="TextBox 9"/>
+          <p:cNvSpPr txBox="1"/>
+          <p:nvPr/>
+        </p:nvSpPr>
+        <p:spPr>
+          <a:xfrm>
+            <a:off x="0" y="6412468"/>
+            <a:ext cx="8268097" cy="369332"/>
+          </a:xfrm>
+          <a:prstGeom prst="rect">
+            <a:avLst/>
+          </a:prstGeom>
+          <a:noFill/>
+        </p:spPr>
+        <p:txBody>
+          <a:bodyPr wrap="none" rtlCol="0">
+            <a:spAutoFit/>
+          </a:bodyPr>
+          <a:lstStyle/>
+          <a:p>
+            <a:r>
+              <a:rPr lang="en-US" dirty="0" smtClean="0"/>
+              <a:t>CD11c     CD205     CD31      Claud34    Claud5     Foxp3     K14      K5      </a:t>
+            </a:r>
+            <a:r>
+              <a:rPr lang="en-US" dirty="0" err="1" smtClean="0"/>
+              <a:t>PDGFRb</a:t>
+            </a:r>
+            <a:r>
+              <a:rPr lang="en-US" dirty="0" smtClean="0"/>
+              <a:t>      UEA1</a:t>
+            </a:r>
+            <a:endParaRPr lang="en-US" dirty="0"/>
+          </a:p>
+        </p:txBody>
+      </p:sp>
     </p:spTree>
   </p:cSld>
   <p:clrMapOvr>
@@ -5095,15 +5095,7 @@
           <a:p>
             <a:r>
               <a:rPr lang="en-US" sz="1400" dirty="0" smtClean="0"/>
-              <a:t>S3Outer</a:t>
-            </a:r>
-            <a:r>
-              <a:rPr lang="en-US" sz="1400" dirty="0" smtClean="0"/>
-              <a:t> </a:t>
-            </a:r>
-            <a:r>
-              <a:rPr lang="en-US" sz="1400" dirty="0" smtClean="0"/>
-              <a:t> S1Outer,  S2Outer    S2M1    S1Cortex  S3Cortex    S2M2     S1M2       </a:t>
+              <a:t>S3Outer  S1Outer,  S2Outer    S2M1    S1Cortex  S3Cortex    S2M2     S1M2       </a:t>
             </a:r>
             <a:r>
               <a:rPr lang="en-US" sz="1400" smtClean="0"/>
